--- a/Sarvagna-UiPath-PPT.pptx
+++ b/Sarvagna-UiPath-PPT.pptx
@@ -273,6 +273,67 @@
     </p:ext>
   </p:extLst>
 </p:presentation>
+</file>
+
+<file path=ppt/revisionInfo.xml><?xml version="1.0" encoding="utf-8"?>
+<p1510:revInfo xmlns:a="http://schemas.openxmlformats.org/drawingml/2006/main" xmlns:r="http://schemas.openxmlformats.org/officeDocument/2006/relationships" xmlns:p1510="http://schemas.microsoft.com/office/powerpoint/2015/10/main">
+  <p1510:revLst>
+    <p1510:client id="{3433F9C0-B636-4F67-BB39-25176E1F96E6}" v="2" dt="2024-09-29T11:13:52.785"/>
+  </p1510:revLst>
+</p1510:revInfo>
+</file>
+
+<file path=ppt/changesInfos/changesInfo1.xml><?xml version="1.0" encoding="utf-8"?>
+<pc:chgInfo xmlns:a="http://schemas.openxmlformats.org/drawingml/2006/main" xmlns:r="http://schemas.openxmlformats.org/officeDocument/2006/relationships" xmlns:ac="http://schemas.microsoft.com/office/drawing/2013/main/command" xmlns:pc="http://schemas.microsoft.com/office/powerpoint/2013/main/command">
+  <pc:docChgLst>
+    <pc:chgData name="SARVAGNA VEMULA" userId="d72e72108084acd7" providerId="LiveId" clId="{3433F9C0-B636-4F67-BB39-25176E1F96E6}"/>
+    <pc:docChg chg="custSel modSld">
+      <pc:chgData name="SARVAGNA VEMULA" userId="d72e72108084acd7" providerId="LiveId" clId="{3433F9C0-B636-4F67-BB39-25176E1F96E6}" dt="2024-09-29T11:15:59.856" v="44" actId="14100"/>
+      <pc:docMkLst>
+        <pc:docMk/>
+      </pc:docMkLst>
+      <pc:sldChg chg="addSp delSp modSp mod">
+        <pc:chgData name="SARVAGNA VEMULA" userId="d72e72108084acd7" providerId="LiveId" clId="{3433F9C0-B636-4F67-BB39-25176E1F96E6}" dt="2024-09-29T11:15:59.856" v="44" actId="14100"/>
+        <pc:sldMkLst>
+          <pc:docMk/>
+          <pc:sldMk cId="160851604" sldId="292"/>
+        </pc:sldMkLst>
+        <pc:spChg chg="mod">
+          <ac:chgData name="SARVAGNA VEMULA" userId="d72e72108084acd7" providerId="LiveId" clId="{3433F9C0-B636-4F67-BB39-25176E1F96E6}" dt="2024-09-29T11:14:47.264" v="34" actId="255"/>
+          <ac:spMkLst>
+            <pc:docMk/>
+            <pc:sldMk cId="160851604" sldId="292"/>
+            <ac:spMk id="3" creationId="{00000000-0000-0000-0000-000000000000}"/>
+          </ac:spMkLst>
+        </pc:spChg>
+        <pc:spChg chg="add mod">
+          <ac:chgData name="SARVAGNA VEMULA" userId="d72e72108084acd7" providerId="LiveId" clId="{3433F9C0-B636-4F67-BB39-25176E1F96E6}" dt="2024-09-29T11:15:59.856" v="44" actId="14100"/>
+          <ac:spMkLst>
+            <pc:docMk/>
+            <pc:sldMk cId="160851604" sldId="292"/>
+            <ac:spMk id="9" creationId="{00EDC733-0516-0353-DBC9-2B6ABF2A5EBD}"/>
+          </ac:spMkLst>
+        </pc:spChg>
+        <pc:picChg chg="add del mod">
+          <ac:chgData name="SARVAGNA VEMULA" userId="d72e72108084acd7" providerId="LiveId" clId="{3433F9C0-B636-4F67-BB39-25176E1F96E6}" dt="2024-09-29T11:08:30.033" v="13" actId="21"/>
+          <ac:picMkLst>
+            <pc:docMk/>
+            <pc:sldMk cId="160851604" sldId="292"/>
+            <ac:picMk id="5" creationId="{8DCBAE5B-78F9-C853-0930-14317BBD4C68}"/>
+          </ac:picMkLst>
+        </pc:picChg>
+        <pc:picChg chg="add mod">
+          <ac:chgData name="SARVAGNA VEMULA" userId="d72e72108084acd7" providerId="LiveId" clId="{3433F9C0-B636-4F67-BB39-25176E1F96E6}" dt="2024-09-29T11:09:36.758" v="24" actId="14100"/>
+          <ac:picMkLst>
+            <pc:docMk/>
+            <pc:sldMk cId="160851604" sldId="292"/>
+            <ac:picMk id="7" creationId="{AE787D60-8AD4-667B-5ADF-13C4E3B52B2E}"/>
+          </ac:picMkLst>
+        </pc:picChg>
+      </pc:sldChg>
+    </pc:docChg>
+  </pc:docChgLst>
+</pc:chgInfo>
 </file>
 
 <file path=ppt/notesMasters/notesMaster1.xml><?xml version="1.0" encoding="utf-8"?>
@@ -6451,19 +6512,109 @@
         </p:nvSpPr>
         <p:spPr/>
         <p:txBody>
-          <a:bodyPr/>
+          <a:bodyPr>
+            <a:normAutofit/>
+          </a:bodyPr>
           <a:lstStyle/>
           <a:p>
             <a:pPr marL="50800" indent="0">
               <a:buNone/>
             </a:pPr>
-            <a:endParaRPr lang="en-US" b="1" dirty="0"/>
+            <a:endParaRPr lang="en-US" sz="3600" b="1" dirty="0"/>
           </a:p>
           <a:p>
             <a:pPr marL="50800" indent="0">
               <a:buNone/>
             </a:pPr>
-            <a:endParaRPr lang="en-US" b="1" dirty="0"/>
+            <a:endParaRPr lang="en-US" sz="3600" b="1" dirty="0"/>
+          </a:p>
+        </p:txBody>
+      </p:sp>
+      <p:pic>
+        <p:nvPicPr>
+          <p:cNvPr id="7" name="Picture 6">
+            <a:extLst>
+              <a:ext uri="{FF2B5EF4-FFF2-40B4-BE49-F238E27FC236}">
+                <a16:creationId xmlns:a16="http://schemas.microsoft.com/office/drawing/2014/main" id="{AE787D60-8AD4-667B-5ADF-13C4E3B52B2E}"/>
+              </a:ext>
+            </a:extLst>
+          </p:cNvPr>
+          <p:cNvPicPr>
+            <a:picLocks noChangeAspect="1"/>
+          </p:cNvPicPr>
+          <p:nvPr/>
+        </p:nvPicPr>
+        <p:blipFill>
+          <a:blip r:embed="rId2"/>
+          <a:stretch>
+            <a:fillRect/>
+          </a:stretch>
+        </p:blipFill>
+        <p:spPr>
+          <a:xfrm>
+            <a:off x="2000166" y="1097279"/>
+            <a:ext cx="7793314" cy="4406213"/>
+          </a:xfrm>
+          <a:prstGeom prst="rect">
+            <a:avLst/>
+          </a:prstGeom>
+        </p:spPr>
+      </p:pic>
+      <p:sp>
+        <p:nvSpPr>
+          <p:cNvPr id="9" name="TextBox 8">
+            <a:extLst>
+              <a:ext uri="{FF2B5EF4-FFF2-40B4-BE49-F238E27FC236}">
+                <a16:creationId xmlns:a16="http://schemas.microsoft.com/office/drawing/2014/main" id="{00EDC733-0516-0353-DBC9-2B6ABF2A5EBD}"/>
+              </a:ext>
+            </a:extLst>
+          </p:cNvPr>
+          <p:cNvSpPr txBox="1"/>
+          <p:nvPr/>
+        </p:nvSpPr>
+        <p:spPr>
+          <a:xfrm>
+            <a:off x="2000165" y="5912726"/>
+            <a:ext cx="8092417" cy="369332"/>
+          </a:xfrm>
+          <a:prstGeom prst="rect">
+            <a:avLst/>
+          </a:prstGeom>
+          <a:noFill/>
+        </p:spPr>
+        <p:txBody>
+          <a:bodyPr wrap="square">
+            <a:spAutoFit/>
+          </a:bodyPr>
+          <a:lstStyle/>
+          <a:p>
+            <a:pPr marL="285750" indent="-285750">
+              <a:buFont typeface="Arial" panose="020B0604020202020204" pitchFamily="34" charset="0"/>
+              <a:buChar char="•"/>
+            </a:pPr>
+            <a:r>
+              <a:rPr lang="en-US" sz="1800" b="1" dirty="0"/>
+              <a:t>GitHub</a:t>
+            </a:r>
+            <a:r>
+              <a:rPr lang="en-US" b="1" dirty="0"/>
+              <a:t> </a:t>
+            </a:r>
+            <a:r>
+              <a:rPr lang="en-US" sz="1800" b="1" dirty="0"/>
+              <a:t>Repository Link</a:t>
+            </a:r>
+            <a:r>
+              <a:rPr lang="en-US" b="1" dirty="0"/>
+              <a:t>: </a:t>
+            </a:r>
+            <a:r>
+              <a:rPr lang="en-US" b="1" dirty="0">
+                <a:hlinkClick r:id="rId3"/>
+              </a:rPr>
+              <a:t>https://github.com/VemulaSarvagna/SummerInternship-1</a:t>
+            </a:r>
+            <a:endParaRPr lang="en-IN" b="1" dirty="0"/>
           </a:p>
         </p:txBody>
       </p:sp>
